--- a/Lecture 4.pptx
+++ b/Lecture 4.pptx
@@ -4865,29 +4865,6 @@
       </p:grpSpPr>
       <p:sp>
         <p:nvSpPr>
-          <p:cNvPr id="4" name="Title 3"/>
-          <p:cNvSpPr>
-            <a:spLocks noGrp="1"/>
-          </p:cNvSpPr>
-          <p:nvPr>
-            <p:ph type="title"/>
-          </p:nvPr>
-        </p:nvSpPr>
-        <p:spPr/>
-        <p:txBody>
-          <a:bodyPr/>
-          <a:lstStyle/>
-          <a:p>
-            <a:r>
-              <a:rPr lang="en-US" dirty="0" smtClean="0"/>
-              <a:t>Task 1</a:t>
-            </a:r>
-            <a:endParaRPr lang="en-US" dirty="0"/>
-          </a:p>
-        </p:txBody>
-      </p:sp>
-      <p:sp>
-        <p:nvSpPr>
           <p:cNvPr id="5" name="Content Placeholder 4"/>
           <p:cNvSpPr>
             <a:spLocks noGrp="1"/>
@@ -4896,28 +4873,25 @@
             <p:ph idx="1"/>
           </p:nvPr>
         </p:nvSpPr>
-        <p:spPr/>
+        <p:spPr>
+          <a:xfrm>
+            <a:off x="628650" y="395786"/>
+            <a:ext cx="7886700" cy="6018662"/>
+          </a:xfrm>
+        </p:spPr>
         <p:txBody>
           <a:bodyPr>
-            <a:normAutofit/>
+            <a:normAutofit fontScale="92500" lnSpcReduction="10000"/>
           </a:bodyPr>
           <a:lstStyle/>
           <a:p>
             <a:r>
               <a:rPr lang="en-US" dirty="0" smtClean="0"/>
-              <a:t>Download an </a:t>
-            </a:r>
-            <a:r>
-              <a:rPr lang="en-US" dirty="0"/>
-              <a:t>MSHA </a:t>
+              <a:t>Download </a:t>
             </a:r>
             <a:r>
               <a:rPr lang="en-US" dirty="0" smtClean="0"/>
-              <a:t>file </a:t>
-            </a:r>
-            <a:r>
-              <a:rPr lang="en-US" dirty="0"/>
-              <a:t>at </a:t>
+              <a:t>msha_nature.csv at </a:t>
             </a:r>
             <a:r>
               <a:rPr lang="en-US" dirty="0" smtClean="0">
@@ -4940,43 +4914,77 @@
             <a:endParaRPr lang="en-US" dirty="0" smtClean="0"/>
           </a:p>
           <a:p>
+            <a:endParaRPr lang="en-US" dirty="0" smtClean="0"/>
+          </a:p>
+          <a:p>
+            <a:r>
+              <a:rPr lang="en-US" dirty="0" smtClean="0"/>
+              <a:t>Randomly split this file into training, validation, and test datasets with 21035, 10000, and 10000 rows</a:t>
+            </a:r>
+          </a:p>
+          <a:p>
+            <a:endParaRPr lang="en-US" dirty="0" smtClean="0"/>
+          </a:p>
+          <a:p>
+            <a:r>
+              <a:rPr lang="en-US" dirty="0" smtClean="0"/>
+              <a:t>Build the best nature </a:t>
+            </a:r>
+            <a:r>
+              <a:rPr lang="en-US" dirty="0" err="1" smtClean="0"/>
+              <a:t>autocoder</a:t>
+            </a:r>
+            <a:r>
+              <a:rPr lang="en-US" dirty="0" smtClean="0"/>
+              <a:t> using just your training and validation data</a:t>
+            </a:r>
+          </a:p>
+          <a:p>
+            <a:endParaRPr lang="en-US" dirty="0"/>
+          </a:p>
+          <a:p>
+            <a:r>
+              <a:rPr lang="en-US" dirty="0" smtClean="0"/>
+              <a:t>Calculate the accuracy of  your best </a:t>
+            </a:r>
+            <a:r>
+              <a:rPr lang="en-US" dirty="0" err="1" smtClean="0"/>
+              <a:t>autocoder</a:t>
+            </a:r>
+            <a:r>
+              <a:rPr lang="en-US" dirty="0" smtClean="0"/>
+              <a:t> on your test data</a:t>
+            </a:r>
+          </a:p>
+          <a:p>
+            <a:endParaRPr lang="en-US" dirty="0"/>
+          </a:p>
+          <a:p>
+            <a:r>
+              <a:rPr lang="en-US" dirty="0" smtClean="0"/>
+              <a:t>Generate an Excel report for the test data which only contains </a:t>
+            </a:r>
+            <a:r>
+              <a:rPr lang="en-US" dirty="0" err="1" smtClean="0"/>
+              <a:t>autocodes</a:t>
+            </a:r>
+            <a:r>
+              <a:rPr lang="en-US" dirty="0" smtClean="0"/>
+              <a:t> where the </a:t>
+            </a:r>
+            <a:r>
+              <a:rPr lang="en-US" dirty="0" err="1" smtClean="0"/>
+              <a:t>autocoder</a:t>
+            </a:r>
+            <a:r>
+              <a:rPr lang="en-US" dirty="0" smtClean="0"/>
+              <a:t> is 80% confident or higher</a:t>
+            </a:r>
+          </a:p>
+          <a:p>
             <a:pPr marL="0" indent="0">
               <a:buNone/>
             </a:pPr>
-            <a:endParaRPr lang="en-US" dirty="0"/>
-          </a:p>
-          <a:p>
-            <a:pPr marL="0" indent="0">
-              <a:buNone/>
-            </a:pPr>
-            <a:r>
-              <a:rPr lang="en-US" dirty="0" smtClean="0"/>
-              <a:t>Use Python to:</a:t>
-            </a:r>
-            <a:endParaRPr lang="en-US" dirty="0"/>
-          </a:p>
-          <a:p>
-            <a:pPr marL="514350" indent="-514350">
-              <a:buFont typeface="+mj-lt"/>
-              <a:buAutoNum type="arabicPeriod"/>
-            </a:pPr>
-            <a:r>
-              <a:rPr lang="en-US" dirty="0" smtClean="0"/>
-              <a:t>Add a column to this file that contains code 530 if the corresponding narratives indicates a foot injury, and nothing otherwise</a:t>
-            </a:r>
-          </a:p>
-          <a:p>
-            <a:pPr marL="514350" indent="-514350">
-              <a:buFont typeface="+mj-lt"/>
-              <a:buAutoNum type="arabicPeriod"/>
-            </a:pPr>
-            <a:r>
-              <a:rPr lang="en-US" dirty="0" smtClean="0"/>
-              <a:t>Split the coded file into separate Excel files, one for each state (containing only that state’s codes)</a:t>
-            </a:r>
-            <a:endParaRPr lang="en-US" dirty="0"/>
-          </a:p>
-          <a:p>
             <a:endParaRPr lang="en-US" dirty="0" smtClean="0"/>
           </a:p>
           <a:p>
@@ -5072,7 +5080,7 @@
           <a:graphicData uri="http://schemas.openxmlformats.org/presentationml/2006/ole">
             <mc:AlternateContent xmlns:mc="http://schemas.openxmlformats.org/markup-compatibility/2006">
               <mc:Choice xmlns:v="urn:schemas-microsoft-com:vml" Requires="v">
-                <p:oleObj spid="_x0000_s2078" name="Equation" r:id="rId3" imgW="2692080" imgH="393480" progId="Equation.DSMT4">
+                <p:oleObj spid="_x0000_s2102" name="Equation" r:id="rId3" imgW="2692080" imgH="393480" progId="Equation.DSMT4">
                   <p:embed/>
                 </p:oleObj>
               </mc:Choice>
@@ -5133,7 +5141,7 @@
           <a:graphicData uri="http://schemas.openxmlformats.org/presentationml/2006/ole">
             <mc:AlternateContent xmlns:mc="http://schemas.openxmlformats.org/markup-compatibility/2006">
               <mc:Choice xmlns:v="urn:schemas-microsoft-com:vml" Requires="v">
-                <p:oleObj spid="_x0000_s2079" name="Equation" r:id="rId5" imgW="1701720" imgH="736560" progId="Equation.DSMT4">
+                <p:oleObj spid="_x0000_s2103" name="Equation" r:id="rId5" imgW="1701720" imgH="736560" progId="Equation.DSMT4">
                   <p:embed/>
                 </p:oleObj>
               </mc:Choice>
@@ -5243,7 +5251,7 @@
           <a:graphicData uri="http://schemas.openxmlformats.org/presentationml/2006/ole">
             <mc:AlternateContent xmlns:mc="http://schemas.openxmlformats.org/markup-compatibility/2006">
               <mc:Choice xmlns:v="urn:schemas-microsoft-com:vml" Requires="v">
-                <p:oleObj spid="_x0000_s1042" name="Equation" r:id="rId3" imgW="2400120" imgH="1409400" progId="Equation.3">
+                <p:oleObj spid="_x0000_s1054" name="Equation" r:id="rId3" imgW="2400120" imgH="1409400" progId="Equation.3">
                   <p:embed/>
                 </p:oleObj>
               </mc:Choice>
@@ -5666,7 +5674,7 @@
           <a:graphicData uri="http://schemas.openxmlformats.org/presentationml/2006/ole">
             <mc:AlternateContent xmlns:mc="http://schemas.openxmlformats.org/markup-compatibility/2006">
               <mc:Choice xmlns:v="urn:schemas-microsoft-com:vml" Requires="v">
-                <p:oleObj spid="_x0000_s4110" name="Equation" r:id="rId7" imgW="3606480" imgH="634680" progId="Equation.DSMT4">
+                <p:oleObj spid="_x0000_s4122" name="Equation" r:id="rId7" imgW="3606480" imgH="634680" progId="Equation.DSMT4">
                   <p:embed/>
                 </p:oleObj>
               </mc:Choice>
@@ -5781,7 +5789,7 @@
           <a:graphicData uri="http://schemas.openxmlformats.org/presentationml/2006/ole">
             <mc:AlternateContent xmlns:mc="http://schemas.openxmlformats.org/markup-compatibility/2006">
               <mc:Choice xmlns:v="urn:schemas-microsoft-com:vml" Requires="v">
-                <p:oleObj spid="_x0000_s3094" name="Equation" r:id="rId4" imgW="4330440" imgH="634680" progId="Equation.DSMT4">
+                <p:oleObj spid="_x0000_s3118" name="Equation" r:id="rId4" imgW="4330440" imgH="634680" progId="Equation.DSMT4">
                   <p:embed/>
                 </p:oleObj>
               </mc:Choice>
@@ -5842,7 +5850,7 @@
           <a:graphicData uri="http://schemas.openxmlformats.org/presentationml/2006/ole">
             <mc:AlternateContent xmlns:mc="http://schemas.openxmlformats.org/markup-compatibility/2006">
               <mc:Choice xmlns:v="urn:schemas-microsoft-com:vml" Requires="v">
-                <p:oleObj spid="_x0000_s3095" name="Equation" r:id="rId6" imgW="114120" imgH="177480" progId="Equation.DSMT4">
+                <p:oleObj spid="_x0000_s3119" name="Equation" r:id="rId6" imgW="114120" imgH="177480" progId="Equation.DSMT4">
                   <p:embed/>
                 </p:oleObj>
               </mc:Choice>
